--- a/WebContent/WEB-INF/templates/25th Anniversary/thoughtForTheWeek.pptx
+++ b/WebContent/WEB-INF/templates/25th Anniversary/thoughtForTheWeek.pptx
@@ -208,7 +208,7 @@
           <a:p>
             <a:fld id="{8225012C-C5EE-4F45-83CC-F4C23FCB344F}" type="datetimeFigureOut">
               <a:rPr lang="en-US" smtClean="0"/>
-              <a:t>3/18/17</a:t>
+              <a:t>5/13/17</a:t>
             </a:fld>
             <a:endParaRPr lang="en-US"/>
           </a:p>
@@ -657,7 +657,7 @@
           <a:p>
             <a:fld id="{1F4D9EBA-553B-7140-AA39-7ED6D0B99CF7}" type="datetimeFigureOut">
               <a:rPr lang="en-US" smtClean="0"/>
-              <a:t>3/18/17</a:t>
+              <a:t>5/13/17</a:t>
             </a:fld>
             <a:endParaRPr lang="en-US"/>
           </a:p>
@@ -827,7 +827,7 @@
           <a:p>
             <a:fld id="{1F4D9EBA-553B-7140-AA39-7ED6D0B99CF7}" type="datetimeFigureOut">
               <a:rPr lang="en-US" smtClean="0"/>
-              <a:t>3/18/17</a:t>
+              <a:t>5/13/17</a:t>
             </a:fld>
             <a:endParaRPr lang="en-US"/>
           </a:p>
@@ -1007,7 +1007,7 @@
           <a:p>
             <a:fld id="{1F4D9EBA-553B-7140-AA39-7ED6D0B99CF7}" type="datetimeFigureOut">
               <a:rPr lang="en-US" smtClean="0"/>
-              <a:t>3/18/17</a:t>
+              <a:t>5/13/17</a:t>
             </a:fld>
             <a:endParaRPr lang="en-US"/>
           </a:p>
@@ -1177,7 +1177,7 @@
           <a:p>
             <a:fld id="{1F4D9EBA-553B-7140-AA39-7ED6D0B99CF7}" type="datetimeFigureOut">
               <a:rPr lang="en-US" smtClean="0"/>
-              <a:t>3/18/17</a:t>
+              <a:t>5/13/17</a:t>
             </a:fld>
             <a:endParaRPr lang="en-US"/>
           </a:p>
@@ -1423,7 +1423,7 @@
           <a:p>
             <a:fld id="{1F4D9EBA-553B-7140-AA39-7ED6D0B99CF7}" type="datetimeFigureOut">
               <a:rPr lang="en-US" smtClean="0"/>
-              <a:t>3/18/17</a:t>
+              <a:t>5/13/17</a:t>
             </a:fld>
             <a:endParaRPr lang="en-US"/>
           </a:p>
@@ -1711,7 +1711,7 @@
           <a:p>
             <a:fld id="{1F4D9EBA-553B-7140-AA39-7ED6D0B99CF7}" type="datetimeFigureOut">
               <a:rPr lang="en-US" smtClean="0"/>
-              <a:t>3/18/17</a:t>
+              <a:t>5/13/17</a:t>
             </a:fld>
             <a:endParaRPr lang="en-US"/>
           </a:p>
@@ -2133,7 +2133,7 @@
           <a:p>
             <a:fld id="{1F4D9EBA-553B-7140-AA39-7ED6D0B99CF7}" type="datetimeFigureOut">
               <a:rPr lang="en-US" smtClean="0"/>
-              <a:t>3/18/17</a:t>
+              <a:t>5/13/17</a:t>
             </a:fld>
             <a:endParaRPr lang="en-US"/>
           </a:p>
@@ -2251,7 +2251,7 @@
           <a:p>
             <a:fld id="{1F4D9EBA-553B-7140-AA39-7ED6D0B99CF7}" type="datetimeFigureOut">
               <a:rPr lang="en-US" smtClean="0"/>
-              <a:t>3/18/17</a:t>
+              <a:t>5/13/17</a:t>
             </a:fld>
             <a:endParaRPr lang="en-US"/>
           </a:p>
@@ -2346,7 +2346,7 @@
           <a:p>
             <a:fld id="{1F4D9EBA-553B-7140-AA39-7ED6D0B99CF7}" type="datetimeFigureOut">
               <a:rPr lang="en-US" smtClean="0"/>
-              <a:t>3/18/17</a:t>
+              <a:t>5/13/17</a:t>
             </a:fld>
             <a:endParaRPr lang="en-US"/>
           </a:p>
@@ -2623,7 +2623,7 @@
           <a:p>
             <a:fld id="{1F4D9EBA-553B-7140-AA39-7ED6D0B99CF7}" type="datetimeFigureOut">
               <a:rPr lang="en-US" smtClean="0"/>
-              <a:t>3/18/17</a:t>
+              <a:t>5/13/17</a:t>
             </a:fld>
             <a:endParaRPr lang="en-US"/>
           </a:p>
@@ -2876,7 +2876,7 @@
           <a:p>
             <a:fld id="{1F4D9EBA-553B-7140-AA39-7ED6D0B99CF7}" type="datetimeFigureOut">
               <a:rPr lang="en-US" smtClean="0"/>
-              <a:t>3/18/17</a:t>
+              <a:t>5/13/17</a:t>
             </a:fld>
             <a:endParaRPr lang="en-US"/>
           </a:p>
@@ -3089,7 +3089,7 @@
           <a:p>
             <a:fld id="{1F4D9EBA-553B-7140-AA39-7ED6D0B99CF7}" type="datetimeFigureOut">
               <a:rPr lang="en-US" smtClean="0"/>
-              <a:t>3/18/17</a:t>
+              <a:t>5/13/17</a:t>
             </a:fld>
             <a:endParaRPr lang="en-US"/>
           </a:p>
@@ -3498,17 +3498,6 @@
               </a:rPr>
               <a:t>Thought For The Week</a:t>
             </a:r>
-            <a:endParaRPr lang="en-US" sz="2400" b="1" i="1" kern="0" dirty="0">
-              <a:solidFill>
-                <a:schemeClr val="tx1">
-                  <a:lumMod val="50000"/>
-                  <a:lumOff val="50000"/>
-                </a:schemeClr>
-              </a:solidFill>
-              <a:ea typeface="Arial"/>
-              <a:cs typeface="Arial"/>
-              <a:sym typeface="Arial"/>
-            </a:endParaRPr>
           </a:p>
         </p:txBody>
       </p:sp>
@@ -3545,16 +3534,6 @@
               </a:rPr>
               <a:t>Next: From Untruth Lead Us To Truth</a:t>
             </a:r>
-            <a:endParaRPr lang="en-US" b="1" i="1" kern="0" dirty="0">
-              <a:solidFill>
-                <a:schemeClr val="bg1">
-                  <a:lumMod val="50000"/>
-                </a:schemeClr>
-              </a:solidFill>
-              <a:ea typeface="Arial"/>
-              <a:cs typeface="Arial"/>
-              <a:sym typeface="Arial"/>
-            </a:endParaRPr>
           </a:p>
         </p:txBody>
       </p:sp>
@@ -3672,7 +3651,7 @@
           <a:p>
             <a:pPr algn="ctr" defTabSz="457155"/>
             <a:r>
-              <a:rPr lang="en-US" sz="2800" b="1" kern="0" dirty="0">
+              <a:rPr lang="en-US" sz="2800" b="1" kern="0" dirty="0" err="1" smtClean="0">
                 <a:solidFill>
                   <a:srgbClr val="004C97"/>
                 </a:solidFill>
@@ -3680,7 +3659,7 @@
                 <a:cs typeface="Arial"/>
                 <a:sym typeface="Arial"/>
               </a:rPr>
-              <a:t>Thought</a:t>
+              <a:t>ThoughtForTheWeek</a:t>
             </a:r>
             <a:endParaRPr lang="en-US" sz="2800" b="1" kern="0" dirty="0">
               <a:solidFill>

--- a/WebContent/WEB-INF/templates/25th Anniversary/thoughtForTheWeek.pptx
+++ b/WebContent/WEB-INF/templates/25th Anniversary/thoughtForTheWeek.pptx
@@ -3572,35 +3572,6 @@
       </p:sp>
       <p:pic>
         <p:nvPicPr>
-          <p:cNvPr id="8" name="Picture 7"/>
-          <p:cNvPicPr>
-            <a:picLocks noChangeAspect="1"/>
-          </p:cNvPicPr>
-          <p:nvPr/>
-        </p:nvPicPr>
-        <p:blipFill rotWithShape="1">
-          <a:blip r:embed="rId2">
-            <a:extLst>
-              <a:ext uri="{28A0092B-C50C-407E-A947-70E740481C1C}">
-                <a14:useLocalDpi xmlns:a14="http://schemas.microsoft.com/office/drawing/2010/main" val="0"/>
-              </a:ext>
-            </a:extLst>
-          </a:blip>
-          <a:srcRect l="5103" t="12791" r="8163" b="6380"/>
-          <a:stretch/>
-        </p:blipFill>
-        <p:spPr>
-          <a:xfrm>
-            <a:off x="8079115" y="857250"/>
-            <a:ext cx="1041137" cy="1164733"/>
-          </a:xfrm>
-          <a:prstGeom prst="rect">
-            <a:avLst/>
-          </a:prstGeom>
-        </p:spPr>
-      </p:pic>
-      <p:pic>
-        <p:nvPicPr>
           <p:cNvPr id="9" name="Picture 8"/>
           <p:cNvPicPr>
             <a:picLocks noChangeAspect="1"/>
@@ -3608,7 +3579,7 @@
           <p:nvPr/>
         </p:nvPicPr>
         <p:blipFill>
-          <a:blip r:embed="rId3">
+          <a:blip r:embed="rId2">
             <a:extLst>
               <a:ext uri="{28A0092B-C50C-407E-A947-70E740481C1C}">
                 <a14:useLocalDpi xmlns:a14="http://schemas.microsoft.com/office/drawing/2010/main" val="0"/>
@@ -3672,6 +3643,30 @@
           </a:p>
         </p:txBody>
       </p:sp>
+      <p:pic>
+        <p:nvPicPr>
+          <p:cNvPr id="10" name="Picture 9"/>
+          <p:cNvPicPr>
+            <a:picLocks noChangeAspect="1"/>
+          </p:cNvPicPr>
+          <p:nvPr/>
+        </p:nvPicPr>
+        <p:blipFill>
+          <a:blip r:embed="rId3"/>
+          <a:stretch>
+            <a:fillRect/>
+          </a:stretch>
+        </p:blipFill>
+        <p:spPr>
+          <a:xfrm>
+            <a:off x="7726054" y="867467"/>
+            <a:ext cx="1417946" cy="1533539"/>
+          </a:xfrm>
+          <a:prstGeom prst="rect">
+            <a:avLst/>
+          </a:prstGeom>
+        </p:spPr>
+      </p:pic>
     </p:spTree>
     <p:extLst>
       <p:ext uri="{BB962C8B-B14F-4D97-AF65-F5344CB8AC3E}">
